--- a/docu/LonelyLobsterDemo-labelled.pptx
+++ b/docu/LonelyLobsterDemo-labelled.pptx
@@ -4953,7 +4953,7 @@
         </p:blipFill>
         <p:spPr>
           <a:xfrm>
-            <a:off x="1989287" y="3390899"/>
+            <a:off x="2691681" y="6216651"/>
             <a:ext cx="8104038" cy="298449"/>
           </a:xfrm>
           <a:prstGeom prst="rect">
@@ -4961,6 +4961,426 @@
           </a:prstGeom>
         </p:spPr>
       </p:pic>
+      <p:sp>
+        <p:nvSpPr>
+          <p:cNvPr id="10" name="Ellipse 9">
+            <a:extLst>
+              <a:ext uri="{FF2B5EF4-FFF2-40B4-BE49-F238E27FC236}">
+                <a16:creationId xmlns:a16="http://schemas.microsoft.com/office/drawing/2014/main" id="{E4AC0FE5-3004-F49B-FAFA-9429135C8225}"/>
+              </a:ext>
+            </a:extLst>
+          </p:cNvPr>
+          <p:cNvSpPr/>
+          <p:nvPr/>
+        </p:nvSpPr>
+        <p:spPr>
+          <a:xfrm>
+            <a:off x="3467100" y="596215"/>
+            <a:ext cx="317500" cy="298450"/>
+          </a:xfrm>
+          <a:prstGeom prst="ellipse">
+            <a:avLst/>
+          </a:prstGeom>
+          <a:ln w="57150">
+            <a:solidFill>
+              <a:schemeClr val="bg1"/>
+            </a:solidFill>
+          </a:ln>
+        </p:spPr>
+        <p:style>
+          <a:lnRef idx="2">
+            <a:schemeClr val="accent1">
+              <a:shade val="15000"/>
+            </a:schemeClr>
+          </a:lnRef>
+          <a:fillRef idx="1">
+            <a:schemeClr val="accent1"/>
+          </a:fillRef>
+          <a:effectRef idx="0">
+            <a:schemeClr val="accent1"/>
+          </a:effectRef>
+          <a:fontRef idx="minor">
+            <a:schemeClr val="lt1"/>
+          </a:fontRef>
+        </p:style>
+        <p:txBody>
+          <a:bodyPr rtlCol="0" anchor="ctr"/>
+          <a:lstStyle/>
+          <a:p>
+            <a:pPr algn="ctr"/>
+            <a:r>
+              <a:rPr lang="de-DE" sz="1400" b="1" dirty="0">
+                <a:solidFill>
+                  <a:schemeClr val="bg1"/>
+                </a:solidFill>
+              </a:rPr>
+              <a:t>4</a:t>
+            </a:r>
+          </a:p>
+        </p:txBody>
+      </p:sp>
+      <p:grpSp>
+        <p:nvGrpSpPr>
+          <p:cNvPr id="13" name="Gruppieren 12">
+            <a:extLst>
+              <a:ext uri="{FF2B5EF4-FFF2-40B4-BE49-F238E27FC236}">
+                <a16:creationId xmlns:a16="http://schemas.microsoft.com/office/drawing/2014/main" id="{7ABBB934-766D-64E8-E6C4-395F8DF4F905}"/>
+              </a:ext>
+            </a:extLst>
+          </p:cNvPr>
+          <p:cNvGrpSpPr/>
+          <p:nvPr/>
+        </p:nvGrpSpPr>
+        <p:grpSpPr>
+          <a:xfrm>
+            <a:off x="3880838" y="342900"/>
+            <a:ext cx="5167313" cy="828784"/>
+            <a:chOff x="4065587" y="1670050"/>
+            <a:chExt cx="6027738" cy="966787"/>
+          </a:xfrm>
+        </p:grpSpPr>
+        <p:pic>
+          <p:nvPicPr>
+            <p:cNvPr id="9" name="Grafik 8" descr="Ein Bild, das Text, Schrift, Screenshot enthält.&#10;&#10;KI-generierte Inhalte können fehlerhaft sein.">
+              <a:extLst>
+                <a:ext uri="{FF2B5EF4-FFF2-40B4-BE49-F238E27FC236}">
+                  <a16:creationId xmlns:a16="http://schemas.microsoft.com/office/drawing/2014/main" id="{E1E5ED57-386B-4EFA-39E8-97A216B9DFDB}"/>
+                </a:ext>
+              </a:extLst>
+            </p:cNvPr>
+            <p:cNvPicPr>
+              <a:picLocks noChangeAspect="1"/>
+            </p:cNvPicPr>
+            <p:nvPr/>
+          </p:nvPicPr>
+          <p:blipFill>
+            <a:blip r:embed="rId3">
+              <a:extLst>
+                <a:ext uri="{28A0092B-C50C-407E-A947-70E740481C1C}">
+                  <a14:useLocalDpi xmlns:a14="http://schemas.microsoft.com/office/drawing/2010/main" val="0"/>
+                </a:ext>
+              </a:extLst>
+            </a:blip>
+            <a:stretch>
+              <a:fillRect/>
+            </a:stretch>
+          </p:blipFill>
+          <p:spPr>
+            <a:xfrm>
+              <a:off x="4065587" y="1670050"/>
+              <a:ext cx="2790913" cy="966787"/>
+            </a:xfrm>
+            <a:prstGeom prst="rect">
+              <a:avLst/>
+            </a:prstGeom>
+          </p:spPr>
+        </p:pic>
+        <p:pic>
+          <p:nvPicPr>
+            <p:cNvPr id="12" name="Grafik 11" descr="Ein Bild, das Text, Schrift, Screenshot enthält.&#10;&#10;KI-generierte Inhalte können fehlerhaft sein.">
+              <a:extLst>
+                <a:ext uri="{FF2B5EF4-FFF2-40B4-BE49-F238E27FC236}">
+                  <a16:creationId xmlns:a16="http://schemas.microsoft.com/office/drawing/2014/main" id="{80D981D0-3C10-7A47-E3FE-C2E3E510BBB5}"/>
+                </a:ext>
+              </a:extLst>
+            </p:cNvPr>
+            <p:cNvPicPr>
+              <a:picLocks noChangeAspect="1"/>
+            </p:cNvPicPr>
+            <p:nvPr/>
+          </p:nvPicPr>
+          <p:blipFill>
+            <a:blip r:embed="rId4">
+              <a:extLst>
+                <a:ext uri="{28A0092B-C50C-407E-A947-70E740481C1C}">
+                  <a14:useLocalDpi xmlns:a14="http://schemas.microsoft.com/office/drawing/2010/main" val="0"/>
+                </a:ext>
+              </a:extLst>
+            </a:blip>
+            <a:stretch>
+              <a:fillRect/>
+            </a:stretch>
+          </p:blipFill>
+          <p:spPr>
+            <a:xfrm>
+              <a:off x="7188677" y="1704864"/>
+              <a:ext cx="2904648" cy="931973"/>
+            </a:xfrm>
+            <a:prstGeom prst="rect">
+              <a:avLst/>
+            </a:prstGeom>
+          </p:spPr>
+        </p:pic>
+      </p:grpSp>
+      <p:sp>
+        <p:nvSpPr>
+          <p:cNvPr id="16" name="Ellipse 15">
+            <a:extLst>
+              <a:ext uri="{FF2B5EF4-FFF2-40B4-BE49-F238E27FC236}">
+                <a16:creationId xmlns:a16="http://schemas.microsoft.com/office/drawing/2014/main" id="{3B351AD5-6C34-872D-0C7B-321089594E3E}"/>
+              </a:ext>
+            </a:extLst>
+          </p:cNvPr>
+          <p:cNvSpPr/>
+          <p:nvPr/>
+        </p:nvSpPr>
+        <p:spPr>
+          <a:xfrm>
+            <a:off x="3467100" y="1513790"/>
+            <a:ext cx="317500" cy="298450"/>
+          </a:xfrm>
+          <a:prstGeom prst="ellipse">
+            <a:avLst/>
+          </a:prstGeom>
+          <a:ln w="57150">
+            <a:solidFill>
+              <a:schemeClr val="bg1"/>
+            </a:solidFill>
+          </a:ln>
+        </p:spPr>
+        <p:style>
+          <a:lnRef idx="2">
+            <a:schemeClr val="accent1">
+              <a:shade val="15000"/>
+            </a:schemeClr>
+          </a:lnRef>
+          <a:fillRef idx="1">
+            <a:schemeClr val="accent1"/>
+          </a:fillRef>
+          <a:effectRef idx="0">
+            <a:schemeClr val="accent1"/>
+          </a:effectRef>
+          <a:fontRef idx="minor">
+            <a:schemeClr val="lt1"/>
+          </a:fontRef>
+        </p:style>
+        <p:txBody>
+          <a:bodyPr rtlCol="0" anchor="ctr"/>
+          <a:lstStyle/>
+          <a:p>
+            <a:pPr algn="ctr"/>
+            <a:r>
+              <a:rPr lang="de-DE" sz="1400" b="1" dirty="0">
+                <a:solidFill>
+                  <a:schemeClr val="bg1"/>
+                </a:solidFill>
+              </a:rPr>
+              <a:t>5</a:t>
+            </a:r>
+          </a:p>
+        </p:txBody>
+      </p:sp>
+      <p:pic>
+        <p:nvPicPr>
+          <p:cNvPr id="18" name="Grafik 17">
+            <a:extLst>
+              <a:ext uri="{FF2B5EF4-FFF2-40B4-BE49-F238E27FC236}">
+                <a16:creationId xmlns:a16="http://schemas.microsoft.com/office/drawing/2014/main" id="{2B49D7AE-DA92-98D5-2DC2-7F56065E7679}"/>
+              </a:ext>
+            </a:extLst>
+          </p:cNvPr>
+          <p:cNvPicPr>
+            <a:picLocks noChangeAspect="1"/>
+          </p:cNvPicPr>
+          <p:nvPr/>
+        </p:nvPicPr>
+        <p:blipFill>
+          <a:blip r:embed="rId5"/>
+          <a:stretch>
+            <a:fillRect/>
+          </a:stretch>
+        </p:blipFill>
+        <p:spPr>
+          <a:xfrm>
+            <a:off x="3894941" y="1366883"/>
+            <a:ext cx="5132409" cy="714963"/>
+          </a:xfrm>
+          <a:prstGeom prst="rect">
+            <a:avLst/>
+          </a:prstGeom>
+        </p:spPr>
+      </p:pic>
+      <p:pic>
+        <p:nvPicPr>
+          <p:cNvPr id="22" name="Grafik 21">
+            <a:extLst>
+              <a:ext uri="{FF2B5EF4-FFF2-40B4-BE49-F238E27FC236}">
+                <a16:creationId xmlns:a16="http://schemas.microsoft.com/office/drawing/2014/main" id="{C3EE1900-74C4-EB35-CFEB-8BDAE18DDC4F}"/>
+              </a:ext>
+            </a:extLst>
+          </p:cNvPr>
+          <p:cNvPicPr>
+            <a:picLocks noChangeAspect="1"/>
+          </p:cNvPicPr>
+          <p:nvPr/>
+        </p:nvPicPr>
+        <p:blipFill>
+          <a:blip r:embed="rId6"/>
+          <a:stretch>
+            <a:fillRect/>
+          </a:stretch>
+        </p:blipFill>
+        <p:spPr>
+          <a:xfrm>
+            <a:off x="3894941" y="2207632"/>
+            <a:ext cx="3429025" cy="790581"/>
+          </a:xfrm>
+          <a:prstGeom prst="rect">
+            <a:avLst/>
+          </a:prstGeom>
+        </p:spPr>
+      </p:pic>
+      <p:sp>
+        <p:nvSpPr>
+          <p:cNvPr id="23" name="Ellipse 22">
+            <a:extLst>
+              <a:ext uri="{FF2B5EF4-FFF2-40B4-BE49-F238E27FC236}">
+                <a16:creationId xmlns:a16="http://schemas.microsoft.com/office/drawing/2014/main" id="{F4C962E9-C31C-1590-8329-AA717B72FFAB}"/>
+              </a:ext>
+            </a:extLst>
+          </p:cNvPr>
+          <p:cNvSpPr/>
+          <p:nvPr/>
+        </p:nvSpPr>
+        <p:spPr>
+          <a:xfrm>
+            <a:off x="3467100" y="2431365"/>
+            <a:ext cx="317500" cy="298450"/>
+          </a:xfrm>
+          <a:prstGeom prst="ellipse">
+            <a:avLst/>
+          </a:prstGeom>
+          <a:ln w="57150">
+            <a:solidFill>
+              <a:schemeClr val="bg1"/>
+            </a:solidFill>
+          </a:ln>
+        </p:spPr>
+        <p:style>
+          <a:lnRef idx="2">
+            <a:schemeClr val="accent1">
+              <a:shade val="15000"/>
+            </a:schemeClr>
+          </a:lnRef>
+          <a:fillRef idx="1">
+            <a:schemeClr val="accent1"/>
+          </a:fillRef>
+          <a:effectRef idx="0">
+            <a:schemeClr val="accent1"/>
+          </a:effectRef>
+          <a:fontRef idx="minor">
+            <a:schemeClr val="lt1"/>
+          </a:fontRef>
+        </p:style>
+        <p:txBody>
+          <a:bodyPr rtlCol="0" anchor="ctr"/>
+          <a:lstStyle/>
+          <a:p>
+            <a:pPr algn="ctr"/>
+            <a:r>
+              <a:rPr lang="de-DE" sz="1400" b="1" dirty="0">
+                <a:solidFill>
+                  <a:schemeClr val="bg1"/>
+                </a:solidFill>
+              </a:rPr>
+              <a:t>6</a:t>
+            </a:r>
+          </a:p>
+        </p:txBody>
+      </p:sp>
+      <p:pic>
+        <p:nvPicPr>
+          <p:cNvPr id="25" name="Grafik 24">
+            <a:extLst>
+              <a:ext uri="{FF2B5EF4-FFF2-40B4-BE49-F238E27FC236}">
+                <a16:creationId xmlns:a16="http://schemas.microsoft.com/office/drawing/2014/main" id="{6DAE910E-B264-54BB-C731-0696009CBADB}"/>
+              </a:ext>
+            </a:extLst>
+          </p:cNvPr>
+          <p:cNvPicPr>
+            <a:picLocks noChangeAspect="1"/>
+          </p:cNvPicPr>
+          <p:nvPr/>
+        </p:nvPicPr>
+        <p:blipFill>
+          <a:blip r:embed="rId7"/>
+          <a:stretch>
+            <a:fillRect/>
+          </a:stretch>
+        </p:blipFill>
+        <p:spPr>
+          <a:xfrm>
+            <a:off x="3894941" y="3173410"/>
+            <a:ext cx="1743088" cy="714380"/>
+          </a:xfrm>
+          <a:prstGeom prst="rect">
+            <a:avLst/>
+          </a:prstGeom>
+        </p:spPr>
+      </p:pic>
+      <p:sp>
+        <p:nvSpPr>
+          <p:cNvPr id="26" name="Ellipse 25">
+            <a:extLst>
+              <a:ext uri="{FF2B5EF4-FFF2-40B4-BE49-F238E27FC236}">
+                <a16:creationId xmlns:a16="http://schemas.microsoft.com/office/drawing/2014/main" id="{6B5F800A-8594-7CC7-21C8-6A614DC5F49C}"/>
+              </a:ext>
+            </a:extLst>
+          </p:cNvPr>
+          <p:cNvSpPr/>
+          <p:nvPr/>
+        </p:nvSpPr>
+        <p:spPr>
+          <a:xfrm>
+            <a:off x="3467100" y="3348940"/>
+            <a:ext cx="317500" cy="298450"/>
+          </a:xfrm>
+          <a:prstGeom prst="ellipse">
+            <a:avLst/>
+          </a:prstGeom>
+          <a:ln w="57150">
+            <a:solidFill>
+              <a:schemeClr val="bg1"/>
+            </a:solidFill>
+          </a:ln>
+        </p:spPr>
+        <p:style>
+          <a:lnRef idx="2">
+            <a:schemeClr val="accent1">
+              <a:shade val="15000"/>
+            </a:schemeClr>
+          </a:lnRef>
+          <a:fillRef idx="1">
+            <a:schemeClr val="accent1"/>
+          </a:fillRef>
+          <a:effectRef idx="0">
+            <a:schemeClr val="accent1"/>
+          </a:effectRef>
+          <a:fontRef idx="minor">
+            <a:schemeClr val="lt1"/>
+          </a:fontRef>
+        </p:style>
+        <p:txBody>
+          <a:bodyPr rtlCol="0" anchor="ctr"/>
+          <a:lstStyle/>
+          <a:p>
+            <a:pPr algn="ctr"/>
+            <a:r>
+              <a:rPr lang="de-DE" sz="1400" b="1">
+                <a:solidFill>
+                  <a:schemeClr val="bg1"/>
+                </a:solidFill>
+              </a:rPr>
+              <a:t>7</a:t>
+            </a:r>
+            <a:endParaRPr lang="de-DE" sz="1400" b="1" dirty="0">
+              <a:solidFill>
+                <a:schemeClr val="bg1"/>
+              </a:solidFill>
+            </a:endParaRPr>
+          </a:p>
+        </p:txBody>
+      </p:sp>
     </p:spTree>
     <p:extLst>
       <p:ext uri="{BB962C8B-B14F-4D97-AF65-F5344CB8AC3E}">

--- a/docu/LonelyLobsterDemo-labelled.pptx
+++ b/docu/LonelyLobsterDemo-labelled.pptx
@@ -8,6 +8,10 @@
     <p:sldId id="256" r:id="rId2"/>
     <p:sldId id="257" r:id="rId3"/>
     <p:sldId id="258" r:id="rId4"/>
+    <p:sldId id="259" r:id="rId5"/>
+    <p:sldId id="261" r:id="rId6"/>
+    <p:sldId id="260" r:id="rId7"/>
+    <p:sldId id="262" r:id="rId8"/>
   </p:sldIdLst>
   <p:sldSz cx="12192000" cy="6858000"/>
   <p:notesSz cx="6858000" cy="9144000"/>
@@ -5366,18 +5370,13 @@
           <a:p>
             <a:pPr algn="ctr"/>
             <a:r>
-              <a:rPr lang="de-DE" sz="1400" b="1">
+              <a:rPr lang="de-DE" sz="1400" b="1" dirty="0">
                 <a:solidFill>
                   <a:schemeClr val="bg1"/>
                 </a:solidFill>
               </a:rPr>
               <a:t>7</a:t>
             </a:r>
-            <a:endParaRPr lang="de-DE" sz="1400" b="1" dirty="0">
-              <a:solidFill>
-                <a:schemeClr val="bg1"/>
-              </a:solidFill>
-            </a:endParaRPr>
           </a:p>
         </p:txBody>
       </p:sp>
@@ -5613,6 +5612,1410 @@
     <p:extLst>
       <p:ext uri="{BB962C8B-B14F-4D97-AF65-F5344CB8AC3E}">
         <p14:creationId xmlns:p14="http://schemas.microsoft.com/office/powerpoint/2010/main" val="547330227"/>
+      </p:ext>
+    </p:extLst>
+  </p:cSld>
+  <p:clrMapOvr>
+    <a:masterClrMapping/>
+  </p:clrMapOvr>
+</p:sld>
+</file>
+
+<file path=ppt/slides/slide4.xml><?xml version="1.0" encoding="utf-8"?>
+<p:sld xmlns:a="http://schemas.openxmlformats.org/drawingml/2006/main" xmlns:r="http://schemas.openxmlformats.org/officeDocument/2006/relationships" xmlns:p="http://schemas.openxmlformats.org/presentationml/2006/main">
+  <p:cSld>
+    <p:spTree>
+      <p:nvGrpSpPr>
+        <p:cNvPr id="1" name=""/>
+        <p:cNvGrpSpPr/>
+        <p:nvPr/>
+      </p:nvGrpSpPr>
+      <p:grpSpPr>
+        <a:xfrm>
+          <a:off x="0" y="0"/>
+          <a:ext cx="0" cy="0"/>
+          <a:chOff x="0" y="0"/>
+          <a:chExt cx="0" cy="0"/>
+        </a:xfrm>
+      </p:grpSpPr>
+      <p:pic>
+        <p:nvPicPr>
+          <p:cNvPr id="5" name="Grafik 4">
+            <a:extLst>
+              <a:ext uri="{FF2B5EF4-FFF2-40B4-BE49-F238E27FC236}">
+                <a16:creationId xmlns:a16="http://schemas.microsoft.com/office/drawing/2014/main" id="{F16FA41D-38BC-80F6-F2CA-A4A9E04F0380}"/>
+              </a:ext>
+            </a:extLst>
+          </p:cNvPr>
+          <p:cNvPicPr>
+            <a:picLocks noChangeAspect="1"/>
+          </p:cNvPicPr>
+          <p:nvPr/>
+        </p:nvPicPr>
+        <p:blipFill>
+          <a:blip r:embed="rId2"/>
+          <a:stretch>
+            <a:fillRect/>
+          </a:stretch>
+        </p:blipFill>
+        <p:spPr>
+          <a:xfrm>
+            <a:off x="1531916" y="66676"/>
+            <a:ext cx="6110035" cy="4908566"/>
+          </a:xfrm>
+          <a:prstGeom prst="rect">
+            <a:avLst/>
+          </a:prstGeom>
+        </p:spPr>
+      </p:pic>
+      <p:sp>
+        <p:nvSpPr>
+          <p:cNvPr id="7" name="Ellipse 6">
+            <a:extLst>
+              <a:ext uri="{FF2B5EF4-FFF2-40B4-BE49-F238E27FC236}">
+                <a16:creationId xmlns:a16="http://schemas.microsoft.com/office/drawing/2014/main" id="{36C7E16B-47FF-3F7A-CEE6-BF0EFD03944C}"/>
+              </a:ext>
+            </a:extLst>
+          </p:cNvPr>
+          <p:cNvSpPr/>
+          <p:nvPr/>
+        </p:nvSpPr>
+        <p:spPr>
+          <a:xfrm>
+            <a:off x="3471064" y="634315"/>
+            <a:ext cx="317500" cy="298450"/>
+          </a:xfrm>
+          <a:prstGeom prst="ellipse">
+            <a:avLst/>
+          </a:prstGeom>
+          <a:solidFill>
+            <a:schemeClr val="accent5">
+              <a:lumMod val="60000"/>
+              <a:lumOff val="40000"/>
+            </a:schemeClr>
+          </a:solidFill>
+          <a:ln w="57150">
+            <a:solidFill>
+              <a:schemeClr val="bg1"/>
+            </a:solidFill>
+          </a:ln>
+        </p:spPr>
+        <p:style>
+          <a:lnRef idx="2">
+            <a:schemeClr val="accent1">
+              <a:shade val="15000"/>
+            </a:schemeClr>
+          </a:lnRef>
+          <a:fillRef idx="1">
+            <a:schemeClr val="accent1"/>
+          </a:fillRef>
+          <a:effectRef idx="0">
+            <a:schemeClr val="accent1"/>
+          </a:effectRef>
+          <a:fontRef idx="minor">
+            <a:schemeClr val="lt1"/>
+          </a:fontRef>
+        </p:style>
+        <p:txBody>
+          <a:bodyPr lIns="0" rIns="0" rtlCol="0" anchor="ctr"/>
+          <a:lstStyle/>
+          <a:p>
+            <a:pPr algn="ctr"/>
+            <a:r>
+              <a:rPr lang="de-DE" sz="1400" b="1" dirty="0">
+                <a:solidFill>
+                  <a:schemeClr val="bg1"/>
+                </a:solidFill>
+              </a:rPr>
+              <a:t>30</a:t>
+            </a:r>
+          </a:p>
+        </p:txBody>
+      </p:sp>
+      <p:sp>
+        <p:nvSpPr>
+          <p:cNvPr id="8" name="Ellipse 7">
+            <a:extLst>
+              <a:ext uri="{FF2B5EF4-FFF2-40B4-BE49-F238E27FC236}">
+                <a16:creationId xmlns:a16="http://schemas.microsoft.com/office/drawing/2014/main" id="{238521CF-62BF-446D-EAAB-C014D0F813A2}"/>
+              </a:ext>
+            </a:extLst>
+          </p:cNvPr>
+          <p:cNvSpPr/>
+          <p:nvPr/>
+        </p:nvSpPr>
+        <p:spPr>
+          <a:xfrm>
+            <a:off x="2724939" y="1107390"/>
+            <a:ext cx="317500" cy="298450"/>
+          </a:xfrm>
+          <a:prstGeom prst="ellipse">
+            <a:avLst/>
+          </a:prstGeom>
+          <a:solidFill>
+            <a:schemeClr val="accent5">
+              <a:lumMod val="60000"/>
+              <a:lumOff val="40000"/>
+            </a:schemeClr>
+          </a:solidFill>
+          <a:ln w="57150">
+            <a:solidFill>
+              <a:schemeClr val="bg1"/>
+            </a:solidFill>
+          </a:ln>
+        </p:spPr>
+        <p:style>
+          <a:lnRef idx="2">
+            <a:schemeClr val="accent1">
+              <a:shade val="15000"/>
+            </a:schemeClr>
+          </a:lnRef>
+          <a:fillRef idx="1">
+            <a:schemeClr val="accent1"/>
+          </a:fillRef>
+          <a:effectRef idx="0">
+            <a:schemeClr val="accent1"/>
+          </a:effectRef>
+          <a:fontRef idx="minor">
+            <a:schemeClr val="lt1"/>
+          </a:fontRef>
+        </p:style>
+        <p:txBody>
+          <a:bodyPr lIns="0" rIns="0" rtlCol="0" anchor="ctr"/>
+          <a:lstStyle/>
+          <a:p>
+            <a:pPr algn="ctr"/>
+            <a:r>
+              <a:rPr lang="de-DE" sz="1400" b="1" dirty="0">
+                <a:solidFill>
+                  <a:schemeClr val="bg1"/>
+                </a:solidFill>
+              </a:rPr>
+              <a:t>31</a:t>
+            </a:r>
+          </a:p>
+        </p:txBody>
+      </p:sp>
+      <p:sp>
+        <p:nvSpPr>
+          <p:cNvPr id="9" name="Ellipse 8">
+            <a:extLst>
+              <a:ext uri="{FF2B5EF4-FFF2-40B4-BE49-F238E27FC236}">
+                <a16:creationId xmlns:a16="http://schemas.microsoft.com/office/drawing/2014/main" id="{DD359AD2-C459-DC00-E8A0-64D5FD421D16}"/>
+              </a:ext>
+            </a:extLst>
+          </p:cNvPr>
+          <p:cNvSpPr/>
+          <p:nvPr/>
+        </p:nvSpPr>
+        <p:spPr>
+          <a:xfrm>
+            <a:off x="4001289" y="1504265"/>
+            <a:ext cx="317500" cy="298450"/>
+          </a:xfrm>
+          <a:prstGeom prst="ellipse">
+            <a:avLst/>
+          </a:prstGeom>
+          <a:solidFill>
+            <a:schemeClr val="accent5">
+              <a:lumMod val="60000"/>
+              <a:lumOff val="40000"/>
+            </a:schemeClr>
+          </a:solidFill>
+          <a:ln w="57150">
+            <a:solidFill>
+              <a:schemeClr val="bg1"/>
+            </a:solidFill>
+          </a:ln>
+        </p:spPr>
+        <p:style>
+          <a:lnRef idx="2">
+            <a:schemeClr val="accent1">
+              <a:shade val="15000"/>
+            </a:schemeClr>
+          </a:lnRef>
+          <a:fillRef idx="1">
+            <a:schemeClr val="accent1"/>
+          </a:fillRef>
+          <a:effectRef idx="0">
+            <a:schemeClr val="accent1"/>
+          </a:effectRef>
+          <a:fontRef idx="minor">
+            <a:schemeClr val="lt1"/>
+          </a:fontRef>
+        </p:style>
+        <p:txBody>
+          <a:bodyPr lIns="0" rIns="0" rtlCol="0" anchor="ctr"/>
+          <a:lstStyle/>
+          <a:p>
+            <a:pPr algn="ctr"/>
+            <a:r>
+              <a:rPr lang="de-DE" sz="1400" b="1" dirty="0">
+                <a:solidFill>
+                  <a:schemeClr val="bg1"/>
+                </a:solidFill>
+              </a:rPr>
+              <a:t>32</a:t>
+            </a:r>
+          </a:p>
+        </p:txBody>
+      </p:sp>
+      <p:sp>
+        <p:nvSpPr>
+          <p:cNvPr id="10" name="Ellipse 9">
+            <a:extLst>
+              <a:ext uri="{FF2B5EF4-FFF2-40B4-BE49-F238E27FC236}">
+                <a16:creationId xmlns:a16="http://schemas.microsoft.com/office/drawing/2014/main" id="{145448B2-EEF3-82E6-CF41-E939DA47C50D}"/>
+              </a:ext>
+            </a:extLst>
+          </p:cNvPr>
+          <p:cNvSpPr/>
+          <p:nvPr/>
+        </p:nvSpPr>
+        <p:spPr>
+          <a:xfrm>
+            <a:off x="5607839" y="1500405"/>
+            <a:ext cx="317500" cy="298450"/>
+          </a:xfrm>
+          <a:prstGeom prst="ellipse">
+            <a:avLst/>
+          </a:prstGeom>
+          <a:solidFill>
+            <a:schemeClr val="accent5">
+              <a:lumMod val="60000"/>
+              <a:lumOff val="40000"/>
+            </a:schemeClr>
+          </a:solidFill>
+          <a:ln w="57150">
+            <a:solidFill>
+              <a:schemeClr val="bg1"/>
+            </a:solidFill>
+          </a:ln>
+        </p:spPr>
+        <p:style>
+          <a:lnRef idx="2">
+            <a:schemeClr val="accent1">
+              <a:shade val="15000"/>
+            </a:schemeClr>
+          </a:lnRef>
+          <a:fillRef idx="1">
+            <a:schemeClr val="accent1"/>
+          </a:fillRef>
+          <a:effectRef idx="0">
+            <a:schemeClr val="accent1"/>
+          </a:effectRef>
+          <a:fontRef idx="minor">
+            <a:schemeClr val="lt1"/>
+          </a:fontRef>
+        </p:style>
+        <p:txBody>
+          <a:bodyPr lIns="0" rIns="0" rtlCol="0" anchor="ctr"/>
+          <a:lstStyle/>
+          <a:p>
+            <a:pPr algn="ctr"/>
+            <a:r>
+              <a:rPr lang="de-DE" sz="1400" b="1" dirty="0">
+                <a:solidFill>
+                  <a:schemeClr val="bg1"/>
+                </a:solidFill>
+              </a:rPr>
+              <a:t>33</a:t>
+            </a:r>
+          </a:p>
+        </p:txBody>
+      </p:sp>
+      <p:sp>
+        <p:nvSpPr>
+          <p:cNvPr id="11" name="Ellipse 10">
+            <a:extLst>
+              <a:ext uri="{FF2B5EF4-FFF2-40B4-BE49-F238E27FC236}">
+                <a16:creationId xmlns:a16="http://schemas.microsoft.com/office/drawing/2014/main" id="{463738F1-31DD-3E30-2B64-3432BEC88F4F}"/>
+              </a:ext>
+            </a:extLst>
+          </p:cNvPr>
+          <p:cNvSpPr/>
+          <p:nvPr/>
+        </p:nvSpPr>
+        <p:spPr>
+          <a:xfrm>
+            <a:off x="2883689" y="2148104"/>
+            <a:ext cx="317500" cy="298450"/>
+          </a:xfrm>
+          <a:prstGeom prst="ellipse">
+            <a:avLst/>
+          </a:prstGeom>
+          <a:solidFill>
+            <a:schemeClr val="accent5">
+              <a:lumMod val="60000"/>
+              <a:lumOff val="40000"/>
+            </a:schemeClr>
+          </a:solidFill>
+          <a:ln w="57150">
+            <a:solidFill>
+              <a:schemeClr val="bg1"/>
+            </a:solidFill>
+          </a:ln>
+        </p:spPr>
+        <p:style>
+          <a:lnRef idx="2">
+            <a:schemeClr val="accent1">
+              <a:shade val="15000"/>
+            </a:schemeClr>
+          </a:lnRef>
+          <a:fillRef idx="1">
+            <a:schemeClr val="accent1"/>
+          </a:fillRef>
+          <a:effectRef idx="0">
+            <a:schemeClr val="accent1"/>
+          </a:effectRef>
+          <a:fontRef idx="minor">
+            <a:schemeClr val="lt1"/>
+          </a:fontRef>
+        </p:style>
+        <p:txBody>
+          <a:bodyPr lIns="0" rIns="0" rtlCol="0" anchor="ctr"/>
+          <a:lstStyle/>
+          <a:p>
+            <a:pPr algn="ctr"/>
+            <a:r>
+              <a:rPr lang="de-DE" sz="1400" b="1" dirty="0">
+                <a:solidFill>
+                  <a:schemeClr val="bg1"/>
+                </a:solidFill>
+              </a:rPr>
+              <a:t>34</a:t>
+            </a:r>
+          </a:p>
+        </p:txBody>
+      </p:sp>
+    </p:spTree>
+    <p:extLst>
+      <p:ext uri="{BB962C8B-B14F-4D97-AF65-F5344CB8AC3E}">
+        <p14:creationId xmlns:p14="http://schemas.microsoft.com/office/powerpoint/2010/main" val="2522529363"/>
+      </p:ext>
+    </p:extLst>
+  </p:cSld>
+  <p:clrMapOvr>
+    <a:masterClrMapping/>
+  </p:clrMapOvr>
+</p:sld>
+</file>
+
+<file path=ppt/slides/slide5.xml><?xml version="1.0" encoding="utf-8"?>
+<p:sld xmlns:a="http://schemas.openxmlformats.org/drawingml/2006/main" xmlns:r="http://schemas.openxmlformats.org/officeDocument/2006/relationships" xmlns:p="http://schemas.openxmlformats.org/presentationml/2006/main">
+  <p:cSld>
+    <p:spTree>
+      <p:nvGrpSpPr>
+        <p:cNvPr id="1" name="">
+          <a:extLst>
+            <a:ext uri="{FF2B5EF4-FFF2-40B4-BE49-F238E27FC236}">
+              <a16:creationId xmlns:a16="http://schemas.microsoft.com/office/drawing/2014/main" id="{847E10DD-7A6A-4787-A729-78BA6F725EC6}"/>
+            </a:ext>
+          </a:extLst>
+        </p:cNvPr>
+        <p:cNvGrpSpPr/>
+        <p:nvPr/>
+      </p:nvGrpSpPr>
+      <p:grpSpPr>
+        <a:xfrm>
+          <a:off x="0" y="0"/>
+          <a:ext cx="0" cy="0"/>
+          <a:chOff x="0" y="0"/>
+          <a:chExt cx="0" cy="0"/>
+        </a:xfrm>
+      </p:grpSpPr>
+      <p:pic>
+        <p:nvPicPr>
+          <p:cNvPr id="3" name="Grafik 2">
+            <a:extLst>
+              <a:ext uri="{FF2B5EF4-FFF2-40B4-BE49-F238E27FC236}">
+                <a16:creationId xmlns:a16="http://schemas.microsoft.com/office/drawing/2014/main" id="{F8DED7A9-0310-1713-41CC-8458DE2FBA40}"/>
+              </a:ext>
+            </a:extLst>
+          </p:cNvPr>
+          <p:cNvPicPr>
+            <a:picLocks noChangeAspect="1"/>
+          </p:cNvPicPr>
+          <p:nvPr/>
+        </p:nvPicPr>
+        <p:blipFill>
+          <a:blip r:embed="rId2"/>
+          <a:stretch>
+            <a:fillRect/>
+          </a:stretch>
+        </p:blipFill>
+        <p:spPr>
+          <a:xfrm>
+            <a:off x="1531916" y="3407085"/>
+            <a:ext cx="6110035" cy="1174447"/>
+          </a:xfrm>
+          <a:prstGeom prst="rect">
+            <a:avLst/>
+          </a:prstGeom>
+        </p:spPr>
+      </p:pic>
+      <p:sp>
+        <p:nvSpPr>
+          <p:cNvPr id="7" name="Ellipse 6">
+            <a:extLst>
+              <a:ext uri="{FF2B5EF4-FFF2-40B4-BE49-F238E27FC236}">
+                <a16:creationId xmlns:a16="http://schemas.microsoft.com/office/drawing/2014/main" id="{6E48D76E-DC98-5902-B096-A7D6A556F6FE}"/>
+              </a:ext>
+            </a:extLst>
+          </p:cNvPr>
+          <p:cNvSpPr/>
+          <p:nvPr/>
+        </p:nvSpPr>
+        <p:spPr>
+          <a:xfrm>
+            <a:off x="1214416" y="3845083"/>
+            <a:ext cx="317500" cy="298450"/>
+          </a:xfrm>
+          <a:prstGeom prst="ellipse">
+            <a:avLst/>
+          </a:prstGeom>
+          <a:solidFill>
+            <a:schemeClr val="accent5">
+              <a:lumMod val="60000"/>
+              <a:lumOff val="40000"/>
+            </a:schemeClr>
+          </a:solidFill>
+          <a:ln w="57150">
+            <a:solidFill>
+              <a:schemeClr val="bg1"/>
+            </a:solidFill>
+          </a:ln>
+        </p:spPr>
+        <p:style>
+          <a:lnRef idx="2">
+            <a:schemeClr val="accent1">
+              <a:shade val="15000"/>
+            </a:schemeClr>
+          </a:lnRef>
+          <a:fillRef idx="1">
+            <a:schemeClr val="accent1"/>
+          </a:fillRef>
+          <a:effectRef idx="0">
+            <a:schemeClr val="accent1"/>
+          </a:effectRef>
+          <a:fontRef idx="minor">
+            <a:schemeClr val="lt1"/>
+          </a:fontRef>
+        </p:style>
+        <p:txBody>
+          <a:bodyPr lIns="0" rIns="0" rtlCol="0" anchor="ctr"/>
+          <a:lstStyle/>
+          <a:p>
+            <a:pPr algn="ctr"/>
+            <a:r>
+              <a:rPr lang="de-DE" sz="1400" b="1" dirty="0">
+                <a:solidFill>
+                  <a:schemeClr val="bg1"/>
+                </a:solidFill>
+              </a:rPr>
+              <a:t>35</a:t>
+            </a:r>
+          </a:p>
+        </p:txBody>
+      </p:sp>
+      <p:sp>
+        <p:nvSpPr>
+          <p:cNvPr id="8" name="Ellipse 7">
+            <a:extLst>
+              <a:ext uri="{FF2B5EF4-FFF2-40B4-BE49-F238E27FC236}">
+                <a16:creationId xmlns:a16="http://schemas.microsoft.com/office/drawing/2014/main" id="{8F449563-3441-62F4-CC7C-E478AD7E9950}"/>
+              </a:ext>
+            </a:extLst>
+          </p:cNvPr>
+          <p:cNvSpPr/>
+          <p:nvPr/>
+        </p:nvSpPr>
+        <p:spPr>
+          <a:xfrm>
+            <a:off x="2724939" y="1107390"/>
+            <a:ext cx="317500" cy="298450"/>
+          </a:xfrm>
+          <a:prstGeom prst="ellipse">
+            <a:avLst/>
+          </a:prstGeom>
+          <a:solidFill>
+            <a:schemeClr val="accent5">
+              <a:lumMod val="60000"/>
+              <a:lumOff val="40000"/>
+            </a:schemeClr>
+          </a:solidFill>
+          <a:ln w="57150">
+            <a:solidFill>
+              <a:schemeClr val="bg1"/>
+            </a:solidFill>
+          </a:ln>
+        </p:spPr>
+        <p:style>
+          <a:lnRef idx="2">
+            <a:schemeClr val="accent1">
+              <a:shade val="15000"/>
+            </a:schemeClr>
+          </a:lnRef>
+          <a:fillRef idx="1">
+            <a:schemeClr val="accent1"/>
+          </a:fillRef>
+          <a:effectRef idx="0">
+            <a:schemeClr val="accent1"/>
+          </a:effectRef>
+          <a:fontRef idx="minor">
+            <a:schemeClr val="lt1"/>
+          </a:fontRef>
+        </p:style>
+        <p:txBody>
+          <a:bodyPr lIns="0" rIns="0" rtlCol="0" anchor="ctr"/>
+          <a:lstStyle/>
+          <a:p>
+            <a:pPr algn="ctr"/>
+            <a:r>
+              <a:rPr lang="de-DE" sz="1400" b="1" dirty="0">
+                <a:solidFill>
+                  <a:schemeClr val="bg1"/>
+                </a:solidFill>
+              </a:rPr>
+              <a:t>31</a:t>
+            </a:r>
+          </a:p>
+        </p:txBody>
+      </p:sp>
+      <p:sp>
+        <p:nvSpPr>
+          <p:cNvPr id="9" name="Ellipse 8">
+            <a:extLst>
+              <a:ext uri="{FF2B5EF4-FFF2-40B4-BE49-F238E27FC236}">
+                <a16:creationId xmlns:a16="http://schemas.microsoft.com/office/drawing/2014/main" id="{63476E4B-8DE7-C29A-137D-A6C76340AC00}"/>
+              </a:ext>
+            </a:extLst>
+          </p:cNvPr>
+          <p:cNvSpPr/>
+          <p:nvPr/>
+        </p:nvSpPr>
+        <p:spPr>
+          <a:xfrm>
+            <a:off x="4001289" y="1504265"/>
+            <a:ext cx="317500" cy="298450"/>
+          </a:xfrm>
+          <a:prstGeom prst="ellipse">
+            <a:avLst/>
+          </a:prstGeom>
+          <a:solidFill>
+            <a:schemeClr val="accent5">
+              <a:lumMod val="60000"/>
+              <a:lumOff val="40000"/>
+            </a:schemeClr>
+          </a:solidFill>
+          <a:ln w="57150">
+            <a:solidFill>
+              <a:schemeClr val="bg1"/>
+            </a:solidFill>
+          </a:ln>
+        </p:spPr>
+        <p:style>
+          <a:lnRef idx="2">
+            <a:schemeClr val="accent1">
+              <a:shade val="15000"/>
+            </a:schemeClr>
+          </a:lnRef>
+          <a:fillRef idx="1">
+            <a:schemeClr val="accent1"/>
+          </a:fillRef>
+          <a:effectRef idx="0">
+            <a:schemeClr val="accent1"/>
+          </a:effectRef>
+          <a:fontRef idx="minor">
+            <a:schemeClr val="lt1"/>
+          </a:fontRef>
+        </p:style>
+        <p:txBody>
+          <a:bodyPr lIns="0" rIns="0" rtlCol="0" anchor="ctr"/>
+          <a:lstStyle/>
+          <a:p>
+            <a:pPr algn="ctr"/>
+            <a:r>
+              <a:rPr lang="de-DE" sz="1400" b="1" dirty="0">
+                <a:solidFill>
+                  <a:schemeClr val="bg1"/>
+                </a:solidFill>
+              </a:rPr>
+              <a:t>32</a:t>
+            </a:r>
+          </a:p>
+        </p:txBody>
+      </p:sp>
+      <p:sp>
+        <p:nvSpPr>
+          <p:cNvPr id="10" name="Ellipse 9">
+            <a:extLst>
+              <a:ext uri="{FF2B5EF4-FFF2-40B4-BE49-F238E27FC236}">
+                <a16:creationId xmlns:a16="http://schemas.microsoft.com/office/drawing/2014/main" id="{B2FB0300-B2B1-FB14-3580-9C400D7564C5}"/>
+              </a:ext>
+            </a:extLst>
+          </p:cNvPr>
+          <p:cNvSpPr/>
+          <p:nvPr/>
+        </p:nvSpPr>
+        <p:spPr>
+          <a:xfrm>
+            <a:off x="5607839" y="1500405"/>
+            <a:ext cx="317500" cy="298450"/>
+          </a:xfrm>
+          <a:prstGeom prst="ellipse">
+            <a:avLst/>
+          </a:prstGeom>
+          <a:solidFill>
+            <a:schemeClr val="accent5">
+              <a:lumMod val="60000"/>
+              <a:lumOff val="40000"/>
+            </a:schemeClr>
+          </a:solidFill>
+          <a:ln w="57150">
+            <a:solidFill>
+              <a:schemeClr val="bg1"/>
+            </a:solidFill>
+          </a:ln>
+        </p:spPr>
+        <p:style>
+          <a:lnRef idx="2">
+            <a:schemeClr val="accent1">
+              <a:shade val="15000"/>
+            </a:schemeClr>
+          </a:lnRef>
+          <a:fillRef idx="1">
+            <a:schemeClr val="accent1"/>
+          </a:fillRef>
+          <a:effectRef idx="0">
+            <a:schemeClr val="accent1"/>
+          </a:effectRef>
+          <a:fontRef idx="minor">
+            <a:schemeClr val="lt1"/>
+          </a:fontRef>
+        </p:style>
+        <p:txBody>
+          <a:bodyPr lIns="0" rIns="0" rtlCol="0" anchor="ctr"/>
+          <a:lstStyle/>
+          <a:p>
+            <a:pPr algn="ctr"/>
+            <a:r>
+              <a:rPr lang="de-DE" sz="1400" b="1" dirty="0">
+                <a:solidFill>
+                  <a:schemeClr val="bg1"/>
+                </a:solidFill>
+              </a:rPr>
+              <a:t>33</a:t>
+            </a:r>
+          </a:p>
+        </p:txBody>
+      </p:sp>
+      <p:sp>
+        <p:nvSpPr>
+          <p:cNvPr id="11" name="Ellipse 10">
+            <a:extLst>
+              <a:ext uri="{FF2B5EF4-FFF2-40B4-BE49-F238E27FC236}">
+                <a16:creationId xmlns:a16="http://schemas.microsoft.com/office/drawing/2014/main" id="{42C863A5-3BC4-BB07-A873-B9453DE968AB}"/>
+              </a:ext>
+            </a:extLst>
+          </p:cNvPr>
+          <p:cNvSpPr/>
+          <p:nvPr/>
+        </p:nvSpPr>
+        <p:spPr>
+          <a:xfrm>
+            <a:off x="2883689" y="2148104"/>
+            <a:ext cx="317500" cy="298450"/>
+          </a:xfrm>
+          <a:prstGeom prst="ellipse">
+            <a:avLst/>
+          </a:prstGeom>
+          <a:solidFill>
+            <a:schemeClr val="accent5">
+              <a:lumMod val="60000"/>
+              <a:lumOff val="40000"/>
+            </a:schemeClr>
+          </a:solidFill>
+          <a:ln w="57150">
+            <a:solidFill>
+              <a:schemeClr val="bg1"/>
+            </a:solidFill>
+          </a:ln>
+        </p:spPr>
+        <p:style>
+          <a:lnRef idx="2">
+            <a:schemeClr val="accent1">
+              <a:shade val="15000"/>
+            </a:schemeClr>
+          </a:lnRef>
+          <a:fillRef idx="1">
+            <a:schemeClr val="accent1"/>
+          </a:fillRef>
+          <a:effectRef idx="0">
+            <a:schemeClr val="accent1"/>
+          </a:effectRef>
+          <a:fontRef idx="minor">
+            <a:schemeClr val="lt1"/>
+          </a:fontRef>
+        </p:style>
+        <p:txBody>
+          <a:bodyPr lIns="0" rIns="0" rtlCol="0" anchor="ctr"/>
+          <a:lstStyle/>
+          <a:p>
+            <a:pPr algn="ctr"/>
+            <a:r>
+              <a:rPr lang="de-DE" sz="1400" b="1" dirty="0">
+                <a:solidFill>
+                  <a:schemeClr val="bg1"/>
+                </a:solidFill>
+              </a:rPr>
+              <a:t>34</a:t>
+            </a:r>
+          </a:p>
+        </p:txBody>
+      </p:sp>
+    </p:spTree>
+    <p:extLst>
+      <p:ext uri="{BB962C8B-B14F-4D97-AF65-F5344CB8AC3E}">
+        <p14:creationId xmlns:p14="http://schemas.microsoft.com/office/powerpoint/2010/main" val="26032425"/>
+      </p:ext>
+    </p:extLst>
+  </p:cSld>
+  <p:clrMapOvr>
+    <a:masterClrMapping/>
+  </p:clrMapOvr>
+</p:sld>
+</file>
+
+<file path=ppt/slides/slide6.xml><?xml version="1.0" encoding="utf-8"?>
+<p:sld xmlns:a="http://schemas.openxmlformats.org/drawingml/2006/main" xmlns:r="http://schemas.openxmlformats.org/officeDocument/2006/relationships" xmlns:p="http://schemas.openxmlformats.org/presentationml/2006/main">
+  <p:cSld>
+    <p:spTree>
+      <p:nvGrpSpPr>
+        <p:cNvPr id="1" name="">
+          <a:extLst>
+            <a:ext uri="{FF2B5EF4-FFF2-40B4-BE49-F238E27FC236}">
+              <a16:creationId xmlns:a16="http://schemas.microsoft.com/office/drawing/2014/main" id="{38391D94-3D86-299A-6CBE-02CB5974649B}"/>
+            </a:ext>
+          </a:extLst>
+        </p:cNvPr>
+        <p:cNvGrpSpPr/>
+        <p:nvPr/>
+      </p:nvGrpSpPr>
+      <p:grpSpPr>
+        <a:xfrm>
+          <a:off x="0" y="0"/>
+          <a:ext cx="0" cy="0"/>
+          <a:chOff x="0" y="0"/>
+          <a:chExt cx="0" cy="0"/>
+        </a:xfrm>
+      </p:grpSpPr>
+      <p:pic>
+        <p:nvPicPr>
+          <p:cNvPr id="13" name="Grafik 12">
+            <a:extLst>
+              <a:ext uri="{FF2B5EF4-FFF2-40B4-BE49-F238E27FC236}">
+                <a16:creationId xmlns:a16="http://schemas.microsoft.com/office/drawing/2014/main" id="{115FEA4A-0244-4AA8-9316-0068BC2BB479}"/>
+              </a:ext>
+            </a:extLst>
+          </p:cNvPr>
+          <p:cNvPicPr>
+            <a:picLocks noChangeAspect="1"/>
+          </p:cNvPicPr>
+          <p:nvPr/>
+        </p:nvPicPr>
+        <p:blipFill>
+          <a:blip r:embed="rId2"/>
+          <a:stretch>
+            <a:fillRect/>
+          </a:stretch>
+        </p:blipFill>
+        <p:spPr>
+          <a:xfrm>
+            <a:off x="2181200" y="2652703"/>
+            <a:ext cx="6619923" cy="2781320"/>
+          </a:xfrm>
+          <a:prstGeom prst="rect">
+            <a:avLst/>
+          </a:prstGeom>
+        </p:spPr>
+      </p:pic>
+      <p:sp>
+        <p:nvSpPr>
+          <p:cNvPr id="7" name="Ellipse 6">
+            <a:extLst>
+              <a:ext uri="{FF2B5EF4-FFF2-40B4-BE49-F238E27FC236}">
+                <a16:creationId xmlns:a16="http://schemas.microsoft.com/office/drawing/2014/main" id="{DFCA28C1-8259-4E6B-498F-5E2DFD008BA2}"/>
+              </a:ext>
+            </a:extLst>
+          </p:cNvPr>
+          <p:cNvSpPr/>
+          <p:nvPr/>
+        </p:nvSpPr>
+        <p:spPr>
+          <a:xfrm>
+            <a:off x="1863700" y="3130550"/>
+            <a:ext cx="317500" cy="298450"/>
+          </a:xfrm>
+          <a:prstGeom prst="ellipse">
+            <a:avLst/>
+          </a:prstGeom>
+          <a:solidFill>
+            <a:schemeClr val="accent5">
+              <a:lumMod val="60000"/>
+              <a:lumOff val="40000"/>
+            </a:schemeClr>
+          </a:solidFill>
+          <a:ln w="57150">
+            <a:solidFill>
+              <a:schemeClr val="bg1"/>
+            </a:solidFill>
+          </a:ln>
+        </p:spPr>
+        <p:style>
+          <a:lnRef idx="2">
+            <a:schemeClr val="accent1">
+              <a:shade val="15000"/>
+            </a:schemeClr>
+          </a:lnRef>
+          <a:fillRef idx="1">
+            <a:schemeClr val="accent1"/>
+          </a:fillRef>
+          <a:effectRef idx="0">
+            <a:schemeClr val="accent1"/>
+          </a:effectRef>
+          <a:fontRef idx="minor">
+            <a:schemeClr val="lt1"/>
+          </a:fontRef>
+        </p:style>
+        <p:txBody>
+          <a:bodyPr lIns="0" rIns="0" rtlCol="0" anchor="ctr"/>
+          <a:lstStyle/>
+          <a:p>
+            <a:pPr algn="ctr"/>
+            <a:r>
+              <a:rPr lang="de-DE" sz="1400" b="1" dirty="0">
+                <a:solidFill>
+                  <a:schemeClr val="bg1"/>
+                </a:solidFill>
+              </a:rPr>
+              <a:t>36</a:t>
+            </a:r>
+          </a:p>
+        </p:txBody>
+      </p:sp>
+      <p:sp>
+        <p:nvSpPr>
+          <p:cNvPr id="8" name="Ellipse 7">
+            <a:extLst>
+              <a:ext uri="{FF2B5EF4-FFF2-40B4-BE49-F238E27FC236}">
+                <a16:creationId xmlns:a16="http://schemas.microsoft.com/office/drawing/2014/main" id="{E18DF028-5758-410B-F539-555A3B867AC6}"/>
+              </a:ext>
+            </a:extLst>
+          </p:cNvPr>
+          <p:cNvSpPr/>
+          <p:nvPr/>
+        </p:nvSpPr>
+        <p:spPr>
+          <a:xfrm>
+            <a:off x="2724939" y="1107390"/>
+            <a:ext cx="317500" cy="298450"/>
+          </a:xfrm>
+          <a:prstGeom prst="ellipse">
+            <a:avLst/>
+          </a:prstGeom>
+          <a:solidFill>
+            <a:schemeClr val="accent5">
+              <a:lumMod val="60000"/>
+              <a:lumOff val="40000"/>
+            </a:schemeClr>
+          </a:solidFill>
+          <a:ln w="57150">
+            <a:solidFill>
+              <a:schemeClr val="bg1"/>
+            </a:solidFill>
+          </a:ln>
+        </p:spPr>
+        <p:style>
+          <a:lnRef idx="2">
+            <a:schemeClr val="accent1">
+              <a:shade val="15000"/>
+            </a:schemeClr>
+          </a:lnRef>
+          <a:fillRef idx="1">
+            <a:schemeClr val="accent1"/>
+          </a:fillRef>
+          <a:effectRef idx="0">
+            <a:schemeClr val="accent1"/>
+          </a:effectRef>
+          <a:fontRef idx="minor">
+            <a:schemeClr val="lt1"/>
+          </a:fontRef>
+        </p:style>
+        <p:txBody>
+          <a:bodyPr lIns="0" rIns="0" rtlCol="0" anchor="ctr"/>
+          <a:lstStyle/>
+          <a:p>
+            <a:pPr algn="ctr"/>
+            <a:r>
+              <a:rPr lang="de-DE" sz="1400" b="1" dirty="0">
+                <a:solidFill>
+                  <a:schemeClr val="bg1"/>
+                </a:solidFill>
+              </a:rPr>
+              <a:t>31</a:t>
+            </a:r>
+          </a:p>
+        </p:txBody>
+      </p:sp>
+      <p:sp>
+        <p:nvSpPr>
+          <p:cNvPr id="9" name="Ellipse 8">
+            <a:extLst>
+              <a:ext uri="{FF2B5EF4-FFF2-40B4-BE49-F238E27FC236}">
+                <a16:creationId xmlns:a16="http://schemas.microsoft.com/office/drawing/2014/main" id="{91086D07-7772-3326-736F-D4D5E7A21486}"/>
+              </a:ext>
+            </a:extLst>
+          </p:cNvPr>
+          <p:cNvSpPr/>
+          <p:nvPr/>
+        </p:nvSpPr>
+        <p:spPr>
+          <a:xfrm>
+            <a:off x="4001289" y="1504265"/>
+            <a:ext cx="317500" cy="298450"/>
+          </a:xfrm>
+          <a:prstGeom prst="ellipse">
+            <a:avLst/>
+          </a:prstGeom>
+          <a:solidFill>
+            <a:schemeClr val="accent5">
+              <a:lumMod val="60000"/>
+              <a:lumOff val="40000"/>
+            </a:schemeClr>
+          </a:solidFill>
+          <a:ln w="57150">
+            <a:solidFill>
+              <a:schemeClr val="bg1"/>
+            </a:solidFill>
+          </a:ln>
+        </p:spPr>
+        <p:style>
+          <a:lnRef idx="2">
+            <a:schemeClr val="accent1">
+              <a:shade val="15000"/>
+            </a:schemeClr>
+          </a:lnRef>
+          <a:fillRef idx="1">
+            <a:schemeClr val="accent1"/>
+          </a:fillRef>
+          <a:effectRef idx="0">
+            <a:schemeClr val="accent1"/>
+          </a:effectRef>
+          <a:fontRef idx="minor">
+            <a:schemeClr val="lt1"/>
+          </a:fontRef>
+        </p:style>
+        <p:txBody>
+          <a:bodyPr lIns="0" rIns="0" rtlCol="0" anchor="ctr"/>
+          <a:lstStyle/>
+          <a:p>
+            <a:pPr algn="ctr"/>
+            <a:r>
+              <a:rPr lang="de-DE" sz="1400" b="1" dirty="0">
+                <a:solidFill>
+                  <a:schemeClr val="bg1"/>
+                </a:solidFill>
+              </a:rPr>
+              <a:t>32</a:t>
+            </a:r>
+          </a:p>
+        </p:txBody>
+      </p:sp>
+      <p:sp>
+        <p:nvSpPr>
+          <p:cNvPr id="10" name="Ellipse 9">
+            <a:extLst>
+              <a:ext uri="{FF2B5EF4-FFF2-40B4-BE49-F238E27FC236}">
+                <a16:creationId xmlns:a16="http://schemas.microsoft.com/office/drawing/2014/main" id="{5CC414CD-B672-CC27-7151-E291B799E3FD}"/>
+              </a:ext>
+            </a:extLst>
+          </p:cNvPr>
+          <p:cNvSpPr/>
+          <p:nvPr/>
+        </p:nvSpPr>
+        <p:spPr>
+          <a:xfrm>
+            <a:off x="5607839" y="1500405"/>
+            <a:ext cx="317500" cy="298450"/>
+          </a:xfrm>
+          <a:prstGeom prst="ellipse">
+            <a:avLst/>
+          </a:prstGeom>
+          <a:solidFill>
+            <a:schemeClr val="accent5">
+              <a:lumMod val="60000"/>
+              <a:lumOff val="40000"/>
+            </a:schemeClr>
+          </a:solidFill>
+          <a:ln w="57150">
+            <a:solidFill>
+              <a:schemeClr val="bg1"/>
+            </a:solidFill>
+          </a:ln>
+        </p:spPr>
+        <p:style>
+          <a:lnRef idx="2">
+            <a:schemeClr val="accent1">
+              <a:shade val="15000"/>
+            </a:schemeClr>
+          </a:lnRef>
+          <a:fillRef idx="1">
+            <a:schemeClr val="accent1"/>
+          </a:fillRef>
+          <a:effectRef idx="0">
+            <a:schemeClr val="accent1"/>
+          </a:effectRef>
+          <a:fontRef idx="minor">
+            <a:schemeClr val="lt1"/>
+          </a:fontRef>
+        </p:style>
+        <p:txBody>
+          <a:bodyPr lIns="0" rIns="0" rtlCol="0" anchor="ctr"/>
+          <a:lstStyle/>
+          <a:p>
+            <a:pPr algn="ctr"/>
+            <a:r>
+              <a:rPr lang="de-DE" sz="1400" b="1" dirty="0">
+                <a:solidFill>
+                  <a:schemeClr val="bg1"/>
+                </a:solidFill>
+              </a:rPr>
+              <a:t>33</a:t>
+            </a:r>
+          </a:p>
+        </p:txBody>
+      </p:sp>
+      <p:sp>
+        <p:nvSpPr>
+          <p:cNvPr id="11" name="Ellipse 10">
+            <a:extLst>
+              <a:ext uri="{FF2B5EF4-FFF2-40B4-BE49-F238E27FC236}">
+                <a16:creationId xmlns:a16="http://schemas.microsoft.com/office/drawing/2014/main" id="{574CBB1A-E719-0CF1-85E6-4E16DFE66B0C}"/>
+              </a:ext>
+            </a:extLst>
+          </p:cNvPr>
+          <p:cNvSpPr/>
+          <p:nvPr/>
+        </p:nvSpPr>
+        <p:spPr>
+          <a:xfrm>
+            <a:off x="2883689" y="2148104"/>
+            <a:ext cx="317500" cy="298450"/>
+          </a:xfrm>
+          <a:prstGeom prst="ellipse">
+            <a:avLst/>
+          </a:prstGeom>
+          <a:solidFill>
+            <a:schemeClr val="accent5">
+              <a:lumMod val="60000"/>
+              <a:lumOff val="40000"/>
+            </a:schemeClr>
+          </a:solidFill>
+          <a:ln w="57150">
+            <a:solidFill>
+              <a:schemeClr val="bg1"/>
+            </a:solidFill>
+          </a:ln>
+        </p:spPr>
+        <p:style>
+          <a:lnRef idx="2">
+            <a:schemeClr val="accent1">
+              <a:shade val="15000"/>
+            </a:schemeClr>
+          </a:lnRef>
+          <a:fillRef idx="1">
+            <a:schemeClr val="accent1"/>
+          </a:fillRef>
+          <a:effectRef idx="0">
+            <a:schemeClr val="accent1"/>
+          </a:effectRef>
+          <a:fontRef idx="minor">
+            <a:schemeClr val="lt1"/>
+          </a:fontRef>
+        </p:style>
+        <p:txBody>
+          <a:bodyPr lIns="0" rIns="0" rtlCol="0" anchor="ctr"/>
+          <a:lstStyle/>
+          <a:p>
+            <a:pPr algn="ctr"/>
+            <a:r>
+              <a:rPr lang="de-DE" sz="1400" b="1" dirty="0">
+                <a:solidFill>
+                  <a:schemeClr val="bg1"/>
+                </a:solidFill>
+              </a:rPr>
+              <a:t>34</a:t>
+            </a:r>
+          </a:p>
+        </p:txBody>
+      </p:sp>
+    </p:spTree>
+    <p:extLst>
+      <p:ext uri="{BB962C8B-B14F-4D97-AF65-F5344CB8AC3E}">
+        <p14:creationId xmlns:p14="http://schemas.microsoft.com/office/powerpoint/2010/main" val="2388875985"/>
+      </p:ext>
+    </p:extLst>
+  </p:cSld>
+  <p:clrMapOvr>
+    <a:masterClrMapping/>
+  </p:clrMapOvr>
+</p:sld>
+</file>
+
+<file path=ppt/slides/slide7.xml><?xml version="1.0" encoding="utf-8"?>
+<p:sld xmlns:a="http://schemas.openxmlformats.org/drawingml/2006/main" xmlns:r="http://schemas.openxmlformats.org/officeDocument/2006/relationships" xmlns:p="http://schemas.openxmlformats.org/presentationml/2006/main">
+  <p:cSld>
+    <p:spTree>
+      <p:nvGrpSpPr>
+        <p:cNvPr id="1" name=""/>
+        <p:cNvGrpSpPr/>
+        <p:nvPr/>
+      </p:nvGrpSpPr>
+      <p:grpSpPr>
+        <a:xfrm>
+          <a:off x="0" y="0"/>
+          <a:ext cx="0" cy="0"/>
+          <a:chOff x="0" y="0"/>
+          <a:chExt cx="0" cy="0"/>
+        </a:xfrm>
+      </p:grpSpPr>
+      <p:pic>
+        <p:nvPicPr>
+          <p:cNvPr id="5" name="Grafik 4">
+            <a:extLst>
+              <a:ext uri="{FF2B5EF4-FFF2-40B4-BE49-F238E27FC236}">
+                <a16:creationId xmlns:a16="http://schemas.microsoft.com/office/drawing/2014/main" id="{C22814E0-D420-475E-9065-9C1A58FC5BEC}"/>
+              </a:ext>
+            </a:extLst>
+          </p:cNvPr>
+          <p:cNvPicPr>
+            <a:picLocks noChangeAspect="1"/>
+          </p:cNvPicPr>
+          <p:nvPr/>
+        </p:nvPicPr>
+        <p:blipFill>
+          <a:blip r:embed="rId2"/>
+          <a:stretch>
+            <a:fillRect/>
+          </a:stretch>
+        </p:blipFill>
+        <p:spPr>
+          <a:xfrm>
+            <a:off x="2576487" y="2862258"/>
+            <a:ext cx="7039026" cy="1133483"/>
+          </a:xfrm>
+          <a:prstGeom prst="rect">
+            <a:avLst/>
+          </a:prstGeom>
+        </p:spPr>
+      </p:pic>
+      <p:sp>
+        <p:nvSpPr>
+          <p:cNvPr id="6" name="Ellipse 5">
+            <a:extLst>
+              <a:ext uri="{FF2B5EF4-FFF2-40B4-BE49-F238E27FC236}">
+                <a16:creationId xmlns:a16="http://schemas.microsoft.com/office/drawing/2014/main" id="{44838B8F-AEF9-758C-F62D-31777977171C}"/>
+              </a:ext>
+            </a:extLst>
+          </p:cNvPr>
+          <p:cNvSpPr/>
+          <p:nvPr/>
+        </p:nvSpPr>
+        <p:spPr>
+          <a:xfrm>
+            <a:off x="3787750" y="2713033"/>
+            <a:ext cx="317500" cy="298450"/>
+          </a:xfrm>
+          <a:prstGeom prst="ellipse">
+            <a:avLst/>
+          </a:prstGeom>
+          <a:solidFill>
+            <a:schemeClr val="accent5">
+              <a:lumMod val="60000"/>
+              <a:lumOff val="40000"/>
+            </a:schemeClr>
+          </a:solidFill>
+          <a:ln w="57150">
+            <a:solidFill>
+              <a:schemeClr val="bg1"/>
+            </a:solidFill>
+          </a:ln>
+        </p:spPr>
+        <p:style>
+          <a:lnRef idx="2">
+            <a:schemeClr val="accent1">
+              <a:shade val="15000"/>
+            </a:schemeClr>
+          </a:lnRef>
+          <a:fillRef idx="1">
+            <a:schemeClr val="accent1"/>
+          </a:fillRef>
+          <a:effectRef idx="0">
+            <a:schemeClr val="accent1"/>
+          </a:effectRef>
+          <a:fontRef idx="minor">
+            <a:schemeClr val="lt1"/>
+          </a:fontRef>
+        </p:style>
+        <p:txBody>
+          <a:bodyPr lIns="0" rIns="0" rtlCol="0" anchor="ctr"/>
+          <a:lstStyle/>
+          <a:p>
+            <a:pPr algn="ctr"/>
+            <a:r>
+              <a:rPr lang="de-DE" sz="1400" b="1" dirty="0">
+                <a:solidFill>
+                  <a:schemeClr val="bg1"/>
+                </a:solidFill>
+              </a:rPr>
+              <a:t>37</a:t>
+            </a:r>
+          </a:p>
+        </p:txBody>
+      </p:sp>
+      <p:sp>
+        <p:nvSpPr>
+          <p:cNvPr id="7" name="Ellipse 6">
+            <a:extLst>
+              <a:ext uri="{FF2B5EF4-FFF2-40B4-BE49-F238E27FC236}">
+                <a16:creationId xmlns:a16="http://schemas.microsoft.com/office/drawing/2014/main" id="{3E99394B-34C3-AF2E-CFE3-0CEF70D7CE80}"/>
+              </a:ext>
+            </a:extLst>
+          </p:cNvPr>
+          <p:cNvSpPr/>
+          <p:nvPr/>
+        </p:nvSpPr>
+        <p:spPr>
+          <a:xfrm>
+            <a:off x="5359375" y="2713033"/>
+            <a:ext cx="317500" cy="298450"/>
+          </a:xfrm>
+          <a:prstGeom prst="ellipse">
+            <a:avLst/>
+          </a:prstGeom>
+          <a:solidFill>
+            <a:schemeClr val="accent5">
+              <a:lumMod val="60000"/>
+              <a:lumOff val="40000"/>
+            </a:schemeClr>
+          </a:solidFill>
+          <a:ln w="57150">
+            <a:solidFill>
+              <a:schemeClr val="bg1"/>
+            </a:solidFill>
+          </a:ln>
+        </p:spPr>
+        <p:style>
+          <a:lnRef idx="2">
+            <a:schemeClr val="accent1">
+              <a:shade val="15000"/>
+            </a:schemeClr>
+          </a:lnRef>
+          <a:fillRef idx="1">
+            <a:schemeClr val="accent1"/>
+          </a:fillRef>
+          <a:effectRef idx="0">
+            <a:schemeClr val="accent1"/>
+          </a:effectRef>
+          <a:fontRef idx="minor">
+            <a:schemeClr val="lt1"/>
+          </a:fontRef>
+        </p:style>
+        <p:txBody>
+          <a:bodyPr lIns="0" rIns="0" rtlCol="0" anchor="ctr"/>
+          <a:lstStyle/>
+          <a:p>
+            <a:pPr algn="ctr"/>
+            <a:r>
+              <a:rPr lang="de-DE" sz="1400" b="1" dirty="0">
+                <a:solidFill>
+                  <a:schemeClr val="bg1"/>
+                </a:solidFill>
+              </a:rPr>
+              <a:t>38</a:t>
+            </a:r>
+          </a:p>
+        </p:txBody>
+      </p:sp>
+      <p:sp>
+        <p:nvSpPr>
+          <p:cNvPr id="8" name="Ellipse 7">
+            <a:extLst>
+              <a:ext uri="{FF2B5EF4-FFF2-40B4-BE49-F238E27FC236}">
+                <a16:creationId xmlns:a16="http://schemas.microsoft.com/office/drawing/2014/main" id="{585BB14C-1870-FFFF-6460-5BD6B7E33166}"/>
+              </a:ext>
+            </a:extLst>
+          </p:cNvPr>
+          <p:cNvSpPr/>
+          <p:nvPr/>
+        </p:nvSpPr>
+        <p:spPr>
+          <a:xfrm>
+            <a:off x="7521550" y="2727316"/>
+            <a:ext cx="317500" cy="298450"/>
+          </a:xfrm>
+          <a:prstGeom prst="ellipse">
+            <a:avLst/>
+          </a:prstGeom>
+          <a:solidFill>
+            <a:schemeClr val="accent5">
+              <a:lumMod val="60000"/>
+              <a:lumOff val="40000"/>
+            </a:schemeClr>
+          </a:solidFill>
+          <a:ln w="57150">
+            <a:solidFill>
+              <a:schemeClr val="bg1"/>
+            </a:solidFill>
+          </a:ln>
+        </p:spPr>
+        <p:style>
+          <a:lnRef idx="2">
+            <a:schemeClr val="accent1">
+              <a:shade val="15000"/>
+            </a:schemeClr>
+          </a:lnRef>
+          <a:fillRef idx="1">
+            <a:schemeClr val="accent1"/>
+          </a:fillRef>
+          <a:effectRef idx="0">
+            <a:schemeClr val="accent1"/>
+          </a:effectRef>
+          <a:fontRef idx="minor">
+            <a:schemeClr val="lt1"/>
+          </a:fontRef>
+        </p:style>
+        <p:txBody>
+          <a:bodyPr lIns="0" rIns="0" rtlCol="0" anchor="ctr"/>
+          <a:lstStyle/>
+          <a:p>
+            <a:pPr algn="ctr"/>
+            <a:r>
+              <a:rPr lang="de-DE" sz="1400" b="1" dirty="0">
+                <a:solidFill>
+                  <a:schemeClr val="bg1"/>
+                </a:solidFill>
+              </a:rPr>
+              <a:t>39</a:t>
+            </a:r>
+          </a:p>
+        </p:txBody>
+      </p:sp>
+    </p:spTree>
+    <p:extLst>
+      <p:ext uri="{BB962C8B-B14F-4D97-AF65-F5344CB8AC3E}">
+        <p14:creationId xmlns:p14="http://schemas.microsoft.com/office/powerpoint/2010/main" val="264982916"/>
       </p:ext>
     </p:extLst>
   </p:cSld>
